--- a/Presentation1.pptx
+++ b/Presentation1.pptx
@@ -6063,8 +6063,18 @@
             </a:r>
             <a:r>
               <a:rPr lang="en-US" dirty="0" smtClean="0"/>
-              <a:t>ou can permit their smartphone to  entry to your home in fixed time</a:t>
-            </a:r>
+              <a:t>ou can permit their smartphone to  entry to your home in </a:t>
+            </a:r>
+            <a:r>
+              <a:rPr lang="en-US" smtClean="0"/>
+              <a:t>fixed </a:t>
+            </a:r>
+            <a:r>
+              <a:rPr lang="en-US" smtClean="0"/>
+              <a:t>time</a:t>
+            </a:r>
+          </a:p>
+          <a:p>
             <a:endParaRPr lang="en-US" dirty="0"/>
           </a:p>
         </p:txBody>

--- a/Presentation1.pptx
+++ b/Presentation1.pptx
@@ -5,18 +5,19 @@
     <p:sldMasterId id="2147483660" r:id="rId1"/>
   </p:sldMasterIdLst>
   <p:notesMasterIdLst>
-    <p:notesMasterId r:id="rId11"/>
+    <p:notesMasterId r:id="rId12"/>
   </p:notesMasterIdLst>
   <p:sldIdLst>
     <p:sldId id="256" r:id="rId2"/>
     <p:sldId id="262" r:id="rId3"/>
     <p:sldId id="259" r:id="rId4"/>
     <p:sldId id="260" r:id="rId5"/>
-    <p:sldId id="261" r:id="rId6"/>
-    <p:sldId id="265" r:id="rId7"/>
-    <p:sldId id="263" r:id="rId8"/>
-    <p:sldId id="264" r:id="rId9"/>
-    <p:sldId id="266" r:id="rId10"/>
+    <p:sldId id="268" r:id="rId6"/>
+    <p:sldId id="261" r:id="rId7"/>
+    <p:sldId id="265" r:id="rId8"/>
+    <p:sldId id="263" r:id="rId9"/>
+    <p:sldId id="269" r:id="rId10"/>
+    <p:sldId id="266" r:id="rId11"/>
   </p:sldIdLst>
   <p:sldSz cx="9144000" cy="6858000" type="screen4x3"/>
   <p:notesSz cx="6858000" cy="9144000"/>
@@ -466,90 +467,6 @@
     </a:lvl9pPr>
   </p:notesStyle>
 </p:notesMaster>
-</file>
-
-<file path=ppt/notesSlides/notesSlide1.xml><?xml version="1.0" encoding="utf-8"?>
-<p:notes xmlns:a="http://schemas.openxmlformats.org/drawingml/2006/main" xmlns:r="http://schemas.openxmlformats.org/officeDocument/2006/relationships" xmlns:p="http://schemas.openxmlformats.org/presentationml/2006/main">
-  <p:cSld>
-    <p:spTree>
-      <p:nvGrpSpPr>
-        <p:cNvPr id="1" name=""/>
-        <p:cNvGrpSpPr/>
-        <p:nvPr/>
-      </p:nvGrpSpPr>
-      <p:grpSpPr>
-        <a:xfrm>
-          <a:off x="0" y="0"/>
-          <a:ext cx="0" cy="0"/>
-          <a:chOff x="0" y="0"/>
-          <a:chExt cx="0" cy="0"/>
-        </a:xfrm>
-      </p:grpSpPr>
-      <p:sp>
-        <p:nvSpPr>
-          <p:cNvPr id="2" name="Slide Image Placeholder 1"/>
-          <p:cNvSpPr>
-            <a:spLocks noGrp="1" noRot="1" noChangeAspect="1"/>
-          </p:cNvSpPr>
-          <p:nvPr>
-            <p:ph type="sldImg"/>
-          </p:nvPr>
-        </p:nvSpPr>
-        <p:spPr/>
-      </p:sp>
-      <p:sp>
-        <p:nvSpPr>
-          <p:cNvPr id="3" name="Notes Placeholder 2"/>
-          <p:cNvSpPr>
-            <a:spLocks noGrp="1"/>
-          </p:cNvSpPr>
-          <p:nvPr>
-            <p:ph type="body" idx="1"/>
-          </p:nvPr>
-        </p:nvSpPr>
-        <p:spPr/>
-        <p:txBody>
-          <a:bodyPr/>
-          <a:lstStyle/>
-          <a:p>
-            <a:endParaRPr lang="en-US" dirty="0"/>
-          </a:p>
-        </p:txBody>
-      </p:sp>
-      <p:sp>
-        <p:nvSpPr>
-          <p:cNvPr id="4" name="Slide Number Placeholder 3"/>
-          <p:cNvSpPr>
-            <a:spLocks noGrp="1"/>
-          </p:cNvSpPr>
-          <p:nvPr>
-            <p:ph type="sldNum" sz="quarter" idx="10"/>
-          </p:nvPr>
-        </p:nvSpPr>
-        <p:spPr/>
-        <p:txBody>
-          <a:bodyPr/>
-          <a:lstStyle/>
-          <a:p>
-            <a:fld id="{0818008B-C054-9B4F-A840-697F2725B5E7}" type="slidenum">
-              <a:rPr lang="en-US" smtClean="0"/>
-              <a:t>8</a:t>
-            </a:fld>
-            <a:endParaRPr lang="en-US"/>
-          </a:p>
-        </p:txBody>
-      </p:sp>
-    </p:spTree>
-    <p:extLst>
-      <p:ext uri="{BB962C8B-B14F-4D97-AF65-F5344CB8AC3E}">
-        <p14:creationId xmlns:p14="http://schemas.microsoft.com/office/powerpoint/2010/main" val="3791694194"/>
-      </p:ext>
-    </p:extLst>
-  </p:cSld>
-  <p:clrMapOvr>
-    <a:masterClrMapping/>
-  </p:clrMapOvr>
-</p:notes>
 </file>
 
 <file path=ppt/slideLayouts/slideLayout1.xml><?xml version="1.0" encoding="utf-8"?>
@@ -5526,22 +5443,48 @@
             <p:ph type="ctrTitle"/>
           </p:nvPr>
         </p:nvSpPr>
-        <p:spPr/>
-        <p:txBody>
-          <a:bodyPr/>
+        <p:spPr>
+          <a:xfrm>
+            <a:off x="1359893" y="1794935"/>
+            <a:ext cx="6530054" cy="1828090"/>
+          </a:xfrm>
+        </p:spPr>
+        <p:txBody>
+          <a:bodyPr>
+            <a:normAutofit fontScale="90000"/>
+          </a:bodyPr>
           <a:lstStyle/>
           <a:p>
             <a:r>
               <a:rPr lang="en-US" dirty="0" smtClean="0"/>
-              <a:t>WIP </a:t>
-            </a:r>
-            <a:r>
-              <a:rPr lang="en-US" dirty="0" err="1" smtClean="0"/>
-              <a:t>project:Open</a:t>
+              <a:t>WIP(Ter</a:t>
             </a:r>
             <a:r>
               <a:rPr lang="en-US" dirty="0" smtClean="0"/>
-              <a:t> door by smartphone</a:t>
+              <a:t>m?</a:t>
+            </a:r>
+            <a:r>
+              <a:rPr lang="en-US" dirty="0" smtClean="0"/>
+              <a:t>) </a:t>
+            </a:r>
+            <a:r>
+              <a:rPr lang="en-US" dirty="0" smtClean="0"/>
+              <a:t>project</a:t>
+            </a:r>
+            <a:r>
+              <a:rPr lang="en-US" dirty="0" smtClean="0"/>
+              <a:t>:</a:t>
+            </a:r>
+            <a:br>
+              <a:rPr lang="en-US" dirty="0" smtClean="0"/>
+            </a:br>
+            <a:r>
+              <a:rPr lang="en-US" dirty="0" smtClean="0"/>
+              <a:t>Open </a:t>
+            </a:r>
+            <a:r>
+              <a:rPr lang="en-US" dirty="0" smtClean="0"/>
+              <a:t>door by smartphone</a:t>
             </a:r>
             <a:endParaRPr lang="en-US" dirty="0"/>
           </a:p>
@@ -5596,6 +5539,142 @@
 </p:sld>
 </file>
 
+<file path=ppt/slides/slide10.xml><?xml version="1.0" encoding="utf-8"?>
+<p:sld xmlns:a="http://schemas.openxmlformats.org/drawingml/2006/main" xmlns:r="http://schemas.openxmlformats.org/officeDocument/2006/relationships" xmlns:p="http://schemas.openxmlformats.org/presentationml/2006/main">
+  <p:cSld>
+    <p:spTree>
+      <p:nvGrpSpPr>
+        <p:cNvPr id="1" name=""/>
+        <p:cNvGrpSpPr/>
+        <p:nvPr/>
+      </p:nvGrpSpPr>
+      <p:grpSpPr>
+        <a:xfrm>
+          <a:off x="0" y="0"/>
+          <a:ext cx="0" cy="0"/>
+          <a:chOff x="0" y="0"/>
+          <a:chExt cx="0" cy="0"/>
+        </a:xfrm>
+      </p:grpSpPr>
+      <p:sp>
+        <p:nvSpPr>
+          <p:cNvPr id="2" name="Title 1"/>
+          <p:cNvSpPr>
+            <a:spLocks noGrp="1"/>
+          </p:cNvSpPr>
+          <p:nvPr>
+            <p:ph type="title"/>
+          </p:nvPr>
+        </p:nvSpPr>
+        <p:spPr/>
+        <p:txBody>
+          <a:bodyPr/>
+          <a:lstStyle/>
+          <a:p>
+            <a:r>
+              <a:rPr lang="en-US" dirty="0" smtClean="0"/>
+              <a:t>Related research</a:t>
+            </a:r>
+            <a:endParaRPr lang="en-US" dirty="0"/>
+          </a:p>
+        </p:txBody>
+      </p:sp>
+      <p:sp>
+        <p:nvSpPr>
+          <p:cNvPr id="3" name="Content Placeholder 2"/>
+          <p:cNvSpPr>
+            <a:spLocks noGrp="1"/>
+          </p:cNvSpPr>
+          <p:nvPr>
+            <p:ph idx="1"/>
+          </p:nvPr>
+        </p:nvSpPr>
+        <p:spPr/>
+        <p:txBody>
+          <a:bodyPr/>
+          <a:lstStyle/>
+          <a:p>
+            <a:r>
+              <a:rPr lang="en-US" dirty="0" smtClean="0"/>
+              <a:t>Access door with face recognition</a:t>
+            </a:r>
+          </a:p>
+          <a:p>
+            <a:pPr lvl="1"/>
+            <a:r>
+              <a:rPr lang="en-US" dirty="0" smtClean="0"/>
+              <a:t>Use cameras to capture the </a:t>
+            </a:r>
+            <a:r>
+              <a:rPr lang="en-US" dirty="0"/>
+              <a:t>image of </a:t>
+            </a:r>
+            <a:r>
+              <a:rPr lang="en-US" dirty="0" smtClean="0"/>
+              <a:t>user’s </a:t>
+            </a:r>
+            <a:r>
+              <a:rPr lang="en-US" dirty="0"/>
+              <a:t>face and then uses face detection algorithm to match </a:t>
+            </a:r>
+            <a:r>
+              <a:rPr lang="en-US" dirty="0" smtClean="0"/>
+              <a:t>faces stored in </a:t>
+            </a:r>
+            <a:r>
+              <a:rPr lang="en-US" dirty="0"/>
+              <a:t>the database</a:t>
+            </a:r>
+            <a:r>
+              <a:rPr lang="en-US" dirty="0" smtClean="0"/>
+              <a:t>.</a:t>
+            </a:r>
+          </a:p>
+          <a:p>
+            <a:r>
+              <a:rPr lang="nl-NL" dirty="0"/>
+              <a:t>Voice </a:t>
+            </a:r>
+            <a:r>
+              <a:rPr lang="nl-NL" dirty="0" err="1"/>
+              <a:t>r</a:t>
+            </a:r>
+            <a:r>
+              <a:rPr lang="nl-NL" dirty="0" err="1" smtClean="0"/>
+              <a:t>ecognition</a:t>
+            </a:r>
+            <a:r>
+              <a:rPr lang="nl-NL" dirty="0" smtClean="0"/>
+              <a:t> door access system</a:t>
+            </a:r>
+          </a:p>
+          <a:p>
+            <a:pPr lvl="1"/>
+            <a:r>
+              <a:rPr lang="en-US" dirty="0"/>
+              <a:t>Words are programmed and stored on the microprocessor of the voice recognition circuit </a:t>
+            </a:r>
+            <a:endParaRPr lang="en-US" dirty="0"/>
+          </a:p>
+          <a:p>
+            <a:pPr lvl="1"/>
+            <a:endParaRPr lang="en-US" dirty="0" smtClean="0"/>
+          </a:p>
+        </p:txBody>
+      </p:sp>
+    </p:spTree>
+    <p:extLst>
+      <p:ext uri="{BB962C8B-B14F-4D97-AF65-F5344CB8AC3E}">
+        <p14:creationId xmlns:p14="http://schemas.microsoft.com/office/powerpoint/2010/main" val="3750533030"/>
+      </p:ext>
+    </p:extLst>
+  </p:cSld>
+  <p:clrMapOvr>
+    <a:masterClrMapping/>
+  </p:clrMapOvr>
+</p:sld>
+</file>
+
 <file path=ppt/slides/slide2.xml><?xml version="1.0" encoding="utf-8"?>
 <p:sld xmlns:a="http://schemas.openxmlformats.org/drawingml/2006/main" xmlns:r="http://schemas.openxmlformats.org/officeDocument/2006/relationships" xmlns:p="http://schemas.openxmlformats.org/presentationml/2006/main">
   <p:cSld>
@@ -5653,8 +5732,13 @@
           <a:p>
             <a:r>
               <a:rPr lang="en-US" dirty="0"/>
-              <a:t>Use smartphone to open/close the door  </a:t>
-            </a:r>
+              <a:t>Use smartphone to </a:t>
+            </a:r>
+            <a:r>
+              <a:rPr lang="en-US" dirty="0" smtClean="0"/>
+              <a:t>open/close the door and share permit to friends with limited time key  </a:t>
+            </a:r>
+            <a:endParaRPr lang="en-US" dirty="0"/>
           </a:p>
           <a:p>
             <a:endParaRPr lang="en-US" dirty="0"/>
@@ -5895,60 +5979,36 @@
               <a:rPr lang="en-US" dirty="0" smtClean="0"/>
               <a:t>With a traditional key </a:t>
             </a:r>
+            <a:endParaRPr lang="en-US" dirty="0" smtClean="0"/>
           </a:p>
           <a:p>
             <a:pPr lvl="1"/>
             <a:r>
               <a:rPr lang="en-US" dirty="0" smtClean="0"/>
-              <a:t>when you lost the key, you need to buy new one.</a:t>
-            </a:r>
+              <a:t>Take money to distribute key to all of family’s member</a:t>
+            </a:r>
+            <a:endParaRPr lang="en-US" dirty="0" smtClean="0"/>
           </a:p>
           <a:p>
             <a:pPr lvl="1"/>
             <a:r>
+              <a:rPr lang="en-US" dirty="0"/>
+              <a:t>W</a:t>
+            </a:r>
+            <a:r>
               <a:rPr lang="en-US" dirty="0" smtClean="0"/>
-              <a:t>When you permit someone to go into your house, you must give them your key </a:t>
-            </a:r>
-          </a:p>
-          <a:p>
-            <a:pPr lvl="1"/>
-            <a:endParaRPr lang="en-US" dirty="0" smtClean="0"/>
+              <a:t>hen </a:t>
+            </a:r>
+            <a:r>
+              <a:rPr lang="en-US" dirty="0" smtClean="0"/>
+              <a:t>you lost the key, you need to buy new one.</a:t>
+            </a:r>
           </a:p>
           <a:p>
             <a:endParaRPr lang="en-US" dirty="0"/>
           </a:p>
         </p:txBody>
       </p:sp>
-      <p:pic>
-        <p:nvPicPr>
-          <p:cNvPr id="4" name="Picture 3" descr="2.jpg"/>
-          <p:cNvPicPr>
-            <a:picLocks noChangeAspect="1"/>
-          </p:cNvPicPr>
-          <p:nvPr/>
-        </p:nvPicPr>
-        <p:blipFill>
-          <a:blip r:embed="rId2">
-            <a:extLst>
-              <a:ext uri="{28A0092B-C50C-407E-A947-70E740481C1C}">
-                <a14:useLocalDpi xmlns:a14="http://schemas.microsoft.com/office/drawing/2010/main" val="0"/>
-              </a:ext>
-            </a:extLst>
-          </a:blip>
-          <a:stretch>
-            <a:fillRect/>
-          </a:stretch>
-        </p:blipFill>
-        <p:spPr>
-          <a:xfrm>
-            <a:off x="2770577" y="4130514"/>
-            <a:ext cx="2707980" cy="1805320"/>
-          </a:xfrm>
-          <a:prstGeom prst="rect">
-            <a:avLst/>
-          </a:prstGeom>
-        </p:spPr>
-      </p:pic>
     </p:spTree>
     <p:extLst>
       <p:ext uri="{BB962C8B-B14F-4D97-AF65-F5344CB8AC3E}">
@@ -6003,7 +6063,7 @@
           <a:p>
             <a:r>
               <a:rPr lang="en-US" dirty="0" smtClean="0"/>
-              <a:t>Approach</a:t>
+              <a:t>Problem (next)</a:t>
             </a:r>
             <a:endParaRPr lang="en-US" dirty="0"/>
           </a:p>
@@ -6024,78 +6084,61 @@
           <a:bodyPr/>
           <a:lstStyle/>
           <a:p>
-            <a:r>
-              <a:rPr lang="en-US" dirty="0" smtClean="0"/>
-              <a:t>Use smartphone to open/close the door</a:t>
-            </a:r>
-          </a:p>
-          <a:p>
             <a:pPr lvl="1"/>
             <a:r>
               <a:rPr lang="en-US" dirty="0"/>
-              <a:t>W</a:t>
-            </a:r>
-            <a:r>
-              <a:rPr lang="en-US" dirty="0" smtClean="0"/>
-              <a:t>hen near</a:t>
+              <a:t>When you permit someone to go into your house, you must give them your key </a:t>
             </a:r>
           </a:p>
           <a:p>
             <a:pPr lvl="1"/>
-            <a:r>
-              <a:rPr lang="en-US" dirty="0" smtClean="0"/>
-              <a:t>Depend on </a:t>
-            </a:r>
-            <a:r>
-              <a:rPr lang="en-US" dirty="0"/>
-              <a:t>direction </a:t>
-            </a:r>
-            <a:endParaRPr lang="en-US" dirty="0" smtClean="0"/>
-          </a:p>
-          <a:p>
-            <a:r>
-              <a:rPr lang="en-US" dirty="0" smtClean="0"/>
-              <a:t> </a:t>
-            </a:r>
-            <a:r>
-              <a:rPr lang="en-US" dirty="0"/>
-              <a:t>Y</a:t>
-            </a:r>
-            <a:r>
-              <a:rPr lang="en-US" dirty="0" smtClean="0"/>
-              <a:t>ou can permit their smartphone to  entry to your home in </a:t>
-            </a:r>
-            <a:r>
-              <a:rPr lang="en-US" smtClean="0"/>
-              <a:t>fixed </a:t>
-            </a:r>
-            <a:r>
-              <a:rPr lang="en-US" smtClean="0"/>
-              <a:t>time</a:t>
-            </a:r>
-          </a:p>
-          <a:p>
             <a:endParaRPr lang="en-US" dirty="0"/>
           </a:p>
-        </p:txBody>
-      </p:sp>
+          <a:p>
+            <a:endParaRPr lang="en-US" dirty="0"/>
+          </a:p>
+        </p:txBody>
+      </p:sp>
+      <p:pic>
+        <p:nvPicPr>
+          <p:cNvPr id="5" name="Picture 4" descr="2.jpg"/>
+          <p:cNvPicPr>
+            <a:picLocks noChangeAspect="1"/>
+          </p:cNvPicPr>
+          <p:nvPr/>
+        </p:nvPicPr>
+        <p:blipFill>
+          <a:blip r:embed="rId2">
+            <a:extLst>
+              <a:ext uri="{28A0092B-C50C-407E-A947-70E740481C1C}">
+                <a14:useLocalDpi xmlns:a14="http://schemas.microsoft.com/office/drawing/2010/main" val="0"/>
+              </a:ext>
+            </a:extLst>
+          </a:blip>
+          <a:stretch>
+            <a:fillRect/>
+          </a:stretch>
+        </p:blipFill>
+        <p:spPr>
+          <a:xfrm>
+            <a:off x="2520549" y="3322370"/>
+            <a:ext cx="3920196" cy="2613464"/>
+          </a:xfrm>
+          <a:prstGeom prst="rect">
+            <a:avLst/>
+          </a:prstGeom>
+        </p:spPr>
+      </p:pic>
     </p:spTree>
     <p:extLst>
       <p:ext uri="{BB962C8B-B14F-4D97-AF65-F5344CB8AC3E}">
-        <p14:creationId xmlns:p14="http://schemas.microsoft.com/office/powerpoint/2010/main" val="426616802"/>
+        <p14:creationId xmlns:p14="http://schemas.microsoft.com/office/powerpoint/2010/main" val="1089621920"/>
       </p:ext>
     </p:extLst>
   </p:cSld>
   <p:clrMapOvr>
     <a:masterClrMapping/>
   </p:clrMapOvr>
-  <p:timing>
-    <p:tnLst>
-      <p:par>
-        <p:cTn xmlns:p14="http://schemas.microsoft.com/office/powerpoint/2010/main" id="1" dur="indefinite" restart="never" nodeType="tmRoot"/>
-      </p:par>
-    </p:tnLst>
-  </p:timing>
 </p:sld>
 </file>
 
@@ -6133,7 +6176,7 @@
           <a:p>
             <a:r>
               <a:rPr lang="en-US" dirty="0" smtClean="0"/>
-              <a:t>Approach-Auto open</a:t>
+              <a:t>Approach</a:t>
             </a:r>
             <a:endParaRPr lang="en-US" dirty="0"/>
           </a:p>
@@ -6155,96 +6198,60 @@
           <a:lstStyle/>
           <a:p>
             <a:r>
+              <a:rPr lang="en-US" dirty="0" smtClean="0"/>
+              <a:t>Use smartphone to open/close the door</a:t>
+            </a:r>
+          </a:p>
+          <a:p>
+            <a:pPr lvl="1"/>
+            <a:r>
               <a:rPr lang="en-US" dirty="0"/>
-              <a:t>If you bring suitable smartphone, when you go near the door, it is automatically </a:t>
+              <a:t>W</a:t>
             </a:r>
             <a:r>
               <a:rPr lang="en-US" dirty="0" smtClean="0"/>
-              <a:t>opened</a:t>
+              <a:t>hen near</a:t>
             </a:r>
           </a:p>
           <a:p>
             <a:pPr lvl="1"/>
             <a:r>
               <a:rPr lang="en-US" dirty="0" smtClean="0"/>
-              <a:t>Use </a:t>
-            </a:r>
-            <a:r>
-              <a:rPr lang="en-US" dirty="0" err="1" smtClean="0"/>
-              <a:t>wifi</a:t>
-            </a:r>
+              <a:t>Depend on </a:t>
+            </a:r>
+            <a:r>
+              <a:rPr lang="en-US" dirty="0"/>
+              <a:t>direction </a:t>
+            </a:r>
+            <a:endParaRPr lang="en-US" dirty="0" smtClean="0"/>
+          </a:p>
+          <a:p>
             <a:r>
               <a:rPr lang="en-US" dirty="0" smtClean="0"/>
-              <a:t> signal strength to identify whether there is a smart phone near the door</a:t>
-            </a:r>
-          </a:p>
-          <a:p>
-            <a:pPr lvl="1"/>
+              <a:t> </a:t>
+            </a:r>
+            <a:r>
+              <a:rPr lang="en-US" dirty="0"/>
+              <a:t>Y</a:t>
+            </a:r>
+            <a:r>
+              <a:rPr lang="en-US" dirty="0" smtClean="0"/>
+              <a:t>ou can permit their smartphone to  entry to your home in fixed </a:t>
+            </a:r>
+            <a:r>
+              <a:rPr lang="en-US" dirty="0" smtClean="0"/>
+              <a:t>time</a:t>
+            </a:r>
+          </a:p>
+          <a:p>
             <a:endParaRPr lang="en-US" dirty="0"/>
           </a:p>
-          <a:p>
-            <a:endParaRPr lang="en-US" dirty="0"/>
-          </a:p>
-        </p:txBody>
-      </p:sp>
-      <p:pic>
-        <p:nvPicPr>
-          <p:cNvPr id="5" name="Picture 4"/>
-          <p:cNvPicPr>
-            <a:picLocks noChangeAspect="1"/>
-          </p:cNvPicPr>
-          <p:nvPr/>
-        </p:nvPicPr>
-        <p:blipFill>
-          <a:blip r:embed="rId2"/>
-          <a:stretch>
-            <a:fillRect/>
-          </a:stretch>
-        </p:blipFill>
-        <p:spPr>
-          <a:xfrm>
-            <a:off x="1642135" y="3763099"/>
-            <a:ext cx="2525611" cy="2525611"/>
-          </a:xfrm>
-          <a:prstGeom prst="rect">
-            <a:avLst/>
-          </a:prstGeom>
-        </p:spPr>
-      </p:pic>
-      <p:pic>
-        <p:nvPicPr>
-          <p:cNvPr id="9" name="Picture 8" descr="Screen Shot 2012-05-02 at 7.57.07 PM.png"/>
-          <p:cNvPicPr>
-            <a:picLocks noChangeAspect="1"/>
-          </p:cNvPicPr>
-          <p:nvPr/>
-        </p:nvPicPr>
-        <p:blipFill>
-          <a:blip r:embed="rId3">
-            <a:extLst>
-              <a:ext uri="{28A0092B-C50C-407E-A947-70E740481C1C}">
-                <a14:useLocalDpi xmlns:a14="http://schemas.microsoft.com/office/drawing/2010/main" val="0"/>
-              </a:ext>
-            </a:extLst>
-          </a:blip>
-          <a:stretch>
-            <a:fillRect/>
-          </a:stretch>
-        </p:blipFill>
-        <p:spPr>
-          <a:xfrm>
-            <a:off x="4866229" y="3636673"/>
-            <a:ext cx="2793216" cy="4172792"/>
-          </a:xfrm>
-          <a:prstGeom prst="rect">
-            <a:avLst/>
-          </a:prstGeom>
-        </p:spPr>
-      </p:pic>
+        </p:txBody>
+      </p:sp>
     </p:spTree>
     <p:extLst>
       <p:ext uri="{BB962C8B-B14F-4D97-AF65-F5344CB8AC3E}">
-        <p14:creationId xmlns:p14="http://schemas.microsoft.com/office/powerpoint/2010/main" val="2000357855"/>
+        <p14:creationId xmlns:p14="http://schemas.microsoft.com/office/powerpoint/2010/main" val="426616802"/>
       </p:ext>
     </p:extLst>
   </p:cSld>
@@ -6295,7 +6302,7 @@
           <a:p>
             <a:r>
               <a:rPr lang="en-US" dirty="0" smtClean="0"/>
-              <a:t>Approach – Auto open</a:t>
+              <a:t>Approach-Auto open</a:t>
             </a:r>
             <a:endParaRPr lang="en-US" dirty="0"/>
           </a:p>
@@ -6317,8 +6324,12 @@
           <a:lstStyle/>
           <a:p>
             <a:r>
+              <a:rPr lang="en-US" dirty="0"/>
+              <a:t>If you bring suitable smartphone, when you go near the door, it is automatically </a:t>
+            </a:r>
+            <a:r>
               <a:rPr lang="en-US" dirty="0" smtClean="0"/>
-              <a:t>Depend on direction of user, decide whether open/close the door</a:t>
+              <a:t>opened</a:t>
             </a:r>
           </a:p>
           <a:p>
@@ -6329,245 +6340,80 @@
             </a:r>
             <a:r>
               <a:rPr lang="en-US" dirty="0" err="1" smtClean="0"/>
-              <a:t>Kalman</a:t>
+              <a:t>wifi</a:t>
             </a:r>
             <a:r>
               <a:rPr lang="en-US" dirty="0" smtClean="0"/>
-              <a:t> filter to </a:t>
-            </a:r>
-          </a:p>
-          <a:p>
-            <a:r>
-              <a:rPr lang="en-US" dirty="0" smtClean="0"/>
-              <a:t>Use digital compass(</a:t>
-            </a:r>
-            <a:r>
-              <a:rPr lang="hu-HU" dirty="0"/>
-              <a:t>gyroscopic sensor</a:t>
-            </a:r>
-            <a:r>
-              <a:rPr lang="en-US" dirty="0" smtClean="0"/>
-              <a:t>) and accelerator sensor</a:t>
-            </a:r>
-          </a:p>
-          <a:p>
-            <a:endParaRPr lang="en-US" dirty="0" smtClean="0"/>
-          </a:p>
-          <a:p>
+              <a:t> signal strength to identify whether there is a smart phone near the door</a:t>
+            </a:r>
+          </a:p>
+          <a:p>
+            <a:pPr lvl="1"/>
             <a:endParaRPr lang="en-US" dirty="0"/>
           </a:p>
-        </p:txBody>
-      </p:sp>
-      <p:sp>
-        <p:nvSpPr>
-          <p:cNvPr id="6" name="Rectangle 5"/>
-          <p:cNvSpPr/>
+          <a:p>
+            <a:endParaRPr lang="en-US" dirty="0"/>
+          </a:p>
+        </p:txBody>
+      </p:sp>
+      <p:pic>
+        <p:nvPicPr>
+          <p:cNvPr id="5" name="Picture 4"/>
+          <p:cNvPicPr>
+            <a:picLocks noChangeAspect="1"/>
+          </p:cNvPicPr>
           <p:nvPr/>
-        </p:nvSpPr>
+        </p:nvPicPr>
+        <p:blipFill>
+          <a:blip r:embed="rId2"/>
+          <a:stretch>
+            <a:fillRect/>
+          </a:stretch>
+        </p:blipFill>
         <p:spPr>
           <a:xfrm>
-            <a:off x="3123906" y="4048298"/>
-            <a:ext cx="2219448" cy="378417"/>
+            <a:off x="1642135" y="3763099"/>
+            <a:ext cx="2525611" cy="2525611"/>
           </a:xfrm>
           <a:prstGeom prst="rect">
             <a:avLst/>
           </a:prstGeom>
         </p:spPr>
-        <p:style>
-          <a:lnRef idx="1">
-            <a:schemeClr val="accent1"/>
-          </a:lnRef>
-          <a:fillRef idx="3">
-            <a:schemeClr val="accent1"/>
-          </a:fillRef>
-          <a:effectRef idx="2">
-            <a:schemeClr val="accent1"/>
-          </a:effectRef>
-          <a:fontRef idx="minor">
-            <a:schemeClr val="lt1"/>
-          </a:fontRef>
-        </p:style>
-        <p:txBody>
-          <a:bodyPr rtlCol="0" anchor="ctr"/>
-          <a:lstStyle/>
-          <a:p>
-            <a:pPr algn="ctr"/>
-            <a:endParaRPr lang="en-US"/>
-          </a:p>
-        </p:txBody>
-      </p:sp>
-      <p:sp>
-        <p:nvSpPr>
-          <p:cNvPr id="7" name="TextBox 6"/>
-          <p:cNvSpPr txBox="1"/>
+      </p:pic>
+      <p:pic>
+        <p:nvPicPr>
+          <p:cNvPr id="9" name="Picture 8" descr="Screen Shot 2012-05-02 at 7.57.07 PM.png"/>
+          <p:cNvPicPr>
+            <a:picLocks noChangeAspect="1"/>
+          </p:cNvPicPr>
           <p:nvPr/>
-        </p:nvSpPr>
+        </p:nvPicPr>
+        <p:blipFill>
+          <a:blip r:embed="rId3">
+            <a:extLst>
+              <a:ext uri="{28A0092B-C50C-407E-A947-70E740481C1C}">
+                <a14:useLocalDpi xmlns:a14="http://schemas.microsoft.com/office/drawing/2010/main" val="0"/>
+              </a:ext>
+            </a:extLst>
+          </a:blip>
+          <a:stretch>
+            <a:fillRect/>
+          </a:stretch>
+        </p:blipFill>
         <p:spPr>
           <a:xfrm>
-            <a:off x="3861581" y="4044241"/>
-            <a:ext cx="949361" cy="369332"/>
+            <a:off x="4866229" y="3636673"/>
+            <a:ext cx="2793216" cy="4172792"/>
           </a:xfrm>
           <a:prstGeom prst="rect">
             <a:avLst/>
           </a:prstGeom>
-          <a:noFill/>
         </p:spPr>
-        <p:txBody>
-          <a:bodyPr wrap="square" rtlCol="0">
-            <a:spAutoFit/>
-          </a:bodyPr>
-          <a:lstStyle/>
-          <a:p>
-            <a:r>
-              <a:rPr lang="en-US" dirty="0" smtClean="0"/>
-              <a:t>Door</a:t>
-            </a:r>
-            <a:endParaRPr lang="en-US" dirty="0"/>
-          </a:p>
-        </p:txBody>
-      </p:sp>
-      <p:sp>
-        <p:nvSpPr>
-          <p:cNvPr id="8" name="Right Arrow 7"/>
-          <p:cNvSpPr/>
-          <p:nvPr/>
-        </p:nvSpPr>
-        <p:spPr>
-          <a:xfrm>
-            <a:off x="1719111" y="4288503"/>
-            <a:ext cx="4477385" cy="671582"/>
-          </a:xfrm>
-          <a:prstGeom prst="rightArrow">
-            <a:avLst/>
-          </a:prstGeom>
-        </p:spPr>
-        <p:style>
-          <a:lnRef idx="3">
-            <a:schemeClr val="lt1"/>
-          </a:lnRef>
-          <a:fillRef idx="1">
-            <a:schemeClr val="accent2"/>
-          </a:fillRef>
-          <a:effectRef idx="1">
-            <a:schemeClr val="accent2"/>
-          </a:effectRef>
-          <a:fontRef idx="minor">
-            <a:schemeClr val="lt1"/>
-          </a:fontRef>
-        </p:style>
-        <p:txBody>
-          <a:bodyPr rtlCol="0" anchor="ctr"/>
-          <a:lstStyle/>
-          <a:p>
-            <a:pPr algn="ctr"/>
-            <a:endParaRPr lang="en-US"/>
-          </a:p>
-        </p:txBody>
-      </p:sp>
-      <p:sp>
-        <p:nvSpPr>
-          <p:cNvPr id="9" name="TextBox 8"/>
-          <p:cNvSpPr txBox="1"/>
-          <p:nvPr/>
-        </p:nvSpPr>
-        <p:spPr>
-          <a:xfrm>
-            <a:off x="3367660" y="4413573"/>
-            <a:ext cx="1334235" cy="369332"/>
-          </a:xfrm>
-          <a:prstGeom prst="rect">
-            <a:avLst/>
-          </a:prstGeom>
-          <a:noFill/>
-        </p:spPr>
-        <p:txBody>
-          <a:bodyPr wrap="square" rtlCol="0">
-            <a:spAutoFit/>
-          </a:bodyPr>
-          <a:lstStyle/>
-          <a:p>
-            <a:r>
-              <a:rPr lang="en-US" dirty="0" smtClean="0"/>
-              <a:t>Not open</a:t>
-            </a:r>
-            <a:endParaRPr lang="en-US" dirty="0"/>
-          </a:p>
-        </p:txBody>
-      </p:sp>
-      <p:sp>
-        <p:nvSpPr>
-          <p:cNvPr id="11" name="Bent-Up Arrow 10"/>
-          <p:cNvSpPr/>
-          <p:nvPr/>
-        </p:nvSpPr>
-        <p:spPr>
-          <a:xfrm>
-            <a:off x="2495276" y="4782905"/>
-            <a:ext cx="2065498" cy="940164"/>
-          </a:xfrm>
-          <a:prstGeom prst="bentUpArrow">
-            <a:avLst/>
-          </a:prstGeom>
-        </p:spPr>
-        <p:style>
-          <a:lnRef idx="2">
-            <a:schemeClr val="accent4">
-              <a:shade val="50000"/>
-            </a:schemeClr>
-          </a:lnRef>
-          <a:fillRef idx="1">
-            <a:schemeClr val="accent4"/>
-          </a:fillRef>
-          <a:effectRef idx="0">
-            <a:schemeClr val="accent4"/>
-          </a:effectRef>
-          <a:fontRef idx="minor">
-            <a:schemeClr val="lt1"/>
-          </a:fontRef>
-        </p:style>
-        <p:txBody>
-          <a:bodyPr rtlCol="0" anchor="ctr"/>
-          <a:lstStyle/>
-          <a:p>
-            <a:pPr algn="ctr"/>
-            <a:endParaRPr lang="en-US"/>
-          </a:p>
-        </p:txBody>
-      </p:sp>
-      <p:sp>
-        <p:nvSpPr>
-          <p:cNvPr id="12" name="TextBox 11"/>
-          <p:cNvSpPr txBox="1"/>
-          <p:nvPr/>
-        </p:nvSpPr>
-        <p:spPr>
-          <a:xfrm>
-            <a:off x="3245782" y="5353737"/>
-            <a:ext cx="1090480" cy="369332"/>
-          </a:xfrm>
-          <a:prstGeom prst="rect">
-            <a:avLst/>
-          </a:prstGeom>
-          <a:noFill/>
-        </p:spPr>
-        <p:txBody>
-          <a:bodyPr wrap="square" rtlCol="0">
-            <a:spAutoFit/>
-          </a:bodyPr>
-          <a:lstStyle/>
-          <a:p>
-            <a:r>
-              <a:rPr lang="en-US" dirty="0" smtClean="0"/>
-              <a:t>Open</a:t>
-            </a:r>
-            <a:endParaRPr lang="en-US" dirty="0"/>
-          </a:p>
-        </p:txBody>
-      </p:sp>
+      </p:pic>
     </p:spTree>
     <p:extLst>
       <p:ext uri="{BB962C8B-B14F-4D97-AF65-F5344CB8AC3E}">
-        <p14:creationId xmlns:p14="http://schemas.microsoft.com/office/powerpoint/2010/main" val="2007551787"/>
+        <p14:creationId xmlns:p14="http://schemas.microsoft.com/office/powerpoint/2010/main" val="2000357855"/>
       </p:ext>
     </p:extLst>
   </p:cSld>
@@ -6618,7 +6464,7 @@
           <a:p>
             <a:r>
               <a:rPr lang="en-US" dirty="0" smtClean="0"/>
-              <a:t>Approach – Share key</a:t>
+              <a:t>Approach – Auto open</a:t>
             </a:r>
             <a:endParaRPr lang="en-US" dirty="0"/>
           </a:p>
@@ -6641,54 +6487,256 @@
           <a:p>
             <a:r>
               <a:rPr lang="en-US" dirty="0" smtClean="0"/>
-              <a:t>Use limited time key</a:t>
-            </a:r>
-          </a:p>
-          <a:p>
+              <a:t>Depend on direction of user, decide whether open/close the door</a:t>
+            </a:r>
+          </a:p>
+          <a:p>
+            <a:pPr lvl="1"/>
             <a:r>
               <a:rPr lang="en-US" dirty="0" smtClean="0"/>
-              <a:t>The guest can only entry to your house in fixed time</a:t>
-            </a:r>
+              <a:t>Use </a:t>
+            </a:r>
+            <a:r>
+              <a:rPr lang="en-US" dirty="0" err="1" smtClean="0"/>
+              <a:t>Kalman</a:t>
+            </a:r>
+            <a:r>
+              <a:rPr lang="en-US" dirty="0" smtClean="0"/>
+              <a:t> filter to </a:t>
+            </a:r>
+          </a:p>
+          <a:p>
+            <a:r>
+              <a:rPr lang="en-US" dirty="0" smtClean="0"/>
+              <a:t>Use digital compass(</a:t>
+            </a:r>
+            <a:r>
+              <a:rPr lang="hu-HU" dirty="0"/>
+              <a:t>gyroscopic sensor</a:t>
+            </a:r>
+            <a:r>
+              <a:rPr lang="en-US" dirty="0" smtClean="0"/>
+              <a:t>) and accelerator sensor</a:t>
+            </a:r>
+          </a:p>
+          <a:p>
+            <a:endParaRPr lang="en-US" dirty="0" smtClean="0"/>
           </a:p>
           <a:p>
             <a:endParaRPr lang="en-US" dirty="0"/>
           </a:p>
         </p:txBody>
       </p:sp>
-      <p:pic>
-        <p:nvPicPr>
-          <p:cNvPr id="4" name="Picture 3" descr="3"/>
-          <p:cNvPicPr>
-            <a:picLocks noChangeAspect="1"/>
-          </p:cNvPicPr>
+      <p:sp>
+        <p:nvSpPr>
+          <p:cNvPr id="6" name="Rectangle 5"/>
+          <p:cNvSpPr/>
           <p:nvPr/>
-        </p:nvPicPr>
-        <p:blipFill>
-          <a:blip r:embed="rId3">
-            <a:extLst>
-              <a:ext uri="{28A0092B-C50C-407E-A947-70E740481C1C}">
-                <a14:useLocalDpi xmlns:a14="http://schemas.microsoft.com/office/drawing/2010/main" val="0"/>
-              </a:ext>
-            </a:extLst>
-          </a:blip>
-          <a:stretch>
-            <a:fillRect/>
-          </a:stretch>
-        </p:blipFill>
+        </p:nvSpPr>
         <p:spPr>
           <a:xfrm>
-            <a:off x="1770940" y="3540439"/>
-            <a:ext cx="2349390" cy="2349390"/>
+            <a:off x="3123906" y="4048298"/>
+            <a:ext cx="2219448" cy="378417"/>
           </a:xfrm>
           <a:prstGeom prst="rect">
             <a:avLst/>
           </a:prstGeom>
         </p:spPr>
-      </p:pic>
+        <p:style>
+          <a:lnRef idx="1">
+            <a:schemeClr val="accent1"/>
+          </a:lnRef>
+          <a:fillRef idx="3">
+            <a:schemeClr val="accent1"/>
+          </a:fillRef>
+          <a:effectRef idx="2">
+            <a:schemeClr val="accent1"/>
+          </a:effectRef>
+          <a:fontRef idx="minor">
+            <a:schemeClr val="lt1"/>
+          </a:fontRef>
+        </p:style>
+        <p:txBody>
+          <a:bodyPr rtlCol="0" anchor="ctr"/>
+          <a:lstStyle/>
+          <a:p>
+            <a:pPr algn="ctr"/>
+            <a:endParaRPr lang="en-US"/>
+          </a:p>
+        </p:txBody>
+      </p:sp>
+      <p:sp>
+        <p:nvSpPr>
+          <p:cNvPr id="7" name="TextBox 6"/>
+          <p:cNvSpPr txBox="1"/>
+          <p:nvPr/>
+        </p:nvSpPr>
+        <p:spPr>
+          <a:xfrm>
+            <a:off x="3861581" y="4044241"/>
+            <a:ext cx="949361" cy="369332"/>
+          </a:xfrm>
+          <a:prstGeom prst="rect">
+            <a:avLst/>
+          </a:prstGeom>
+          <a:noFill/>
+        </p:spPr>
+        <p:txBody>
+          <a:bodyPr wrap="square" rtlCol="0">
+            <a:spAutoFit/>
+          </a:bodyPr>
+          <a:lstStyle/>
+          <a:p>
+            <a:r>
+              <a:rPr lang="en-US" dirty="0" smtClean="0"/>
+              <a:t>Door</a:t>
+            </a:r>
+            <a:endParaRPr lang="en-US" dirty="0"/>
+          </a:p>
+        </p:txBody>
+      </p:sp>
+      <p:sp>
+        <p:nvSpPr>
+          <p:cNvPr id="8" name="Right Arrow 7"/>
+          <p:cNvSpPr/>
+          <p:nvPr/>
+        </p:nvSpPr>
+        <p:spPr>
+          <a:xfrm>
+            <a:off x="1719111" y="4288503"/>
+            <a:ext cx="4477385" cy="671582"/>
+          </a:xfrm>
+          <a:prstGeom prst="rightArrow">
+            <a:avLst/>
+          </a:prstGeom>
+        </p:spPr>
+        <p:style>
+          <a:lnRef idx="3">
+            <a:schemeClr val="lt1"/>
+          </a:lnRef>
+          <a:fillRef idx="1">
+            <a:schemeClr val="accent2"/>
+          </a:fillRef>
+          <a:effectRef idx="1">
+            <a:schemeClr val="accent2"/>
+          </a:effectRef>
+          <a:fontRef idx="minor">
+            <a:schemeClr val="lt1"/>
+          </a:fontRef>
+        </p:style>
+        <p:txBody>
+          <a:bodyPr rtlCol="0" anchor="ctr"/>
+          <a:lstStyle/>
+          <a:p>
+            <a:pPr algn="ctr"/>
+            <a:endParaRPr lang="en-US"/>
+          </a:p>
+        </p:txBody>
+      </p:sp>
+      <p:sp>
+        <p:nvSpPr>
+          <p:cNvPr id="9" name="TextBox 8"/>
+          <p:cNvSpPr txBox="1"/>
+          <p:nvPr/>
+        </p:nvSpPr>
+        <p:spPr>
+          <a:xfrm>
+            <a:off x="3367660" y="4413573"/>
+            <a:ext cx="1334235" cy="369332"/>
+          </a:xfrm>
+          <a:prstGeom prst="rect">
+            <a:avLst/>
+          </a:prstGeom>
+          <a:noFill/>
+        </p:spPr>
+        <p:txBody>
+          <a:bodyPr wrap="square" rtlCol="0">
+            <a:spAutoFit/>
+          </a:bodyPr>
+          <a:lstStyle/>
+          <a:p>
+            <a:r>
+              <a:rPr lang="en-US" dirty="0" smtClean="0"/>
+              <a:t>Not open</a:t>
+            </a:r>
+            <a:endParaRPr lang="en-US" dirty="0"/>
+          </a:p>
+        </p:txBody>
+      </p:sp>
+      <p:sp>
+        <p:nvSpPr>
+          <p:cNvPr id="11" name="Bent-Up Arrow 10"/>
+          <p:cNvSpPr/>
+          <p:nvPr/>
+        </p:nvSpPr>
+        <p:spPr>
+          <a:xfrm>
+            <a:off x="2495276" y="4782905"/>
+            <a:ext cx="2065498" cy="940164"/>
+          </a:xfrm>
+          <a:prstGeom prst="bentUpArrow">
+            <a:avLst/>
+          </a:prstGeom>
+        </p:spPr>
+        <p:style>
+          <a:lnRef idx="2">
+            <a:schemeClr val="accent4">
+              <a:shade val="50000"/>
+            </a:schemeClr>
+          </a:lnRef>
+          <a:fillRef idx="1">
+            <a:schemeClr val="accent4"/>
+          </a:fillRef>
+          <a:effectRef idx="0">
+            <a:schemeClr val="accent4"/>
+          </a:effectRef>
+          <a:fontRef idx="minor">
+            <a:schemeClr val="lt1"/>
+          </a:fontRef>
+        </p:style>
+        <p:txBody>
+          <a:bodyPr rtlCol="0" anchor="ctr"/>
+          <a:lstStyle/>
+          <a:p>
+            <a:pPr algn="ctr"/>
+            <a:endParaRPr lang="en-US"/>
+          </a:p>
+        </p:txBody>
+      </p:sp>
+      <p:sp>
+        <p:nvSpPr>
+          <p:cNvPr id="12" name="TextBox 11"/>
+          <p:cNvSpPr txBox="1"/>
+          <p:nvPr/>
+        </p:nvSpPr>
+        <p:spPr>
+          <a:xfrm>
+            <a:off x="3245782" y="5353737"/>
+            <a:ext cx="1090480" cy="369332"/>
+          </a:xfrm>
+          <a:prstGeom prst="rect">
+            <a:avLst/>
+          </a:prstGeom>
+          <a:noFill/>
+        </p:spPr>
+        <p:txBody>
+          <a:bodyPr wrap="square" rtlCol="0">
+            <a:spAutoFit/>
+          </a:bodyPr>
+          <a:lstStyle/>
+          <a:p>
+            <a:r>
+              <a:rPr lang="en-US" dirty="0" smtClean="0"/>
+              <a:t>Open</a:t>
+            </a:r>
+            <a:endParaRPr lang="en-US" dirty="0"/>
+          </a:p>
+        </p:txBody>
+      </p:sp>
     </p:spTree>
     <p:extLst>
       <p:ext uri="{BB962C8B-B14F-4D97-AF65-F5344CB8AC3E}">
-        <p14:creationId xmlns:p14="http://schemas.microsoft.com/office/powerpoint/2010/main" val="238388354"/>
+        <p14:creationId xmlns:p14="http://schemas.microsoft.com/office/powerpoint/2010/main" val="2007551787"/>
       </p:ext>
     </p:extLst>
   </p:cSld>
@@ -6738,100 +6786,102 @@
           <a:lstStyle/>
           <a:p>
             <a:r>
+              <a:rPr lang="en-US" dirty="0"/>
+              <a:t>Approach – Share key</a:t>
+            </a:r>
+          </a:p>
+        </p:txBody>
+      </p:sp>
+      <p:sp>
+        <p:nvSpPr>
+          <p:cNvPr id="3" name="Content Placeholder 2"/>
+          <p:cNvSpPr>
+            <a:spLocks noGrp="1"/>
+          </p:cNvSpPr>
+          <p:nvPr>
+            <p:ph sz="quarter" idx="13"/>
+          </p:nvPr>
+        </p:nvSpPr>
+        <p:spPr/>
+        <p:txBody>
+          <a:bodyPr>
+            <a:normAutofit/>
+          </a:bodyPr>
+          <a:lstStyle/>
+          <a:p>
+            <a:r>
+              <a:rPr lang="en-US" dirty="0"/>
+              <a:t>The host can share key to a </a:t>
+            </a:r>
+            <a:r>
               <a:rPr lang="en-US" dirty="0" smtClean="0"/>
-              <a:t>Related research</a:t>
-            </a:r>
+              <a:t>guest</a:t>
+            </a:r>
+          </a:p>
+          <a:p>
+            <a:r>
+              <a:rPr lang="en-US" dirty="0" smtClean="0"/>
+              <a:t>Use </a:t>
+            </a:r>
+            <a:r>
+              <a:rPr lang="en-US" dirty="0"/>
+              <a:t>limited time key</a:t>
+            </a:r>
+          </a:p>
+          <a:p>
+            <a:r>
+              <a:rPr lang="en-US" dirty="0"/>
+              <a:t>The guest can only entry to your house in fixed </a:t>
+            </a:r>
+            <a:r>
+              <a:rPr lang="en-US" dirty="0" smtClean="0"/>
+              <a:t>time</a:t>
+            </a:r>
+          </a:p>
+          <a:p>
+            <a:pPr marL="0" indent="0">
+              <a:buNone/>
+            </a:pPr>
             <a:endParaRPr lang="en-US" dirty="0"/>
           </a:p>
-        </p:txBody>
-      </p:sp>
-      <p:sp>
-        <p:nvSpPr>
-          <p:cNvPr id="3" name="Content Placeholder 2"/>
-          <p:cNvSpPr>
-            <a:spLocks noGrp="1"/>
-          </p:cNvSpPr>
-          <p:nvPr>
-            <p:ph idx="1"/>
-          </p:nvPr>
-        </p:nvSpPr>
-        <p:spPr/>
-        <p:txBody>
-          <a:bodyPr/>
-          <a:lstStyle/>
-          <a:p>
-            <a:r>
-              <a:rPr lang="en-US" dirty="0" smtClean="0"/>
-              <a:t>Access door with face recognition</a:t>
-            </a:r>
-          </a:p>
-          <a:p>
-            <a:pPr lvl="1"/>
-            <a:r>
-              <a:rPr lang="en-US" dirty="0" smtClean="0"/>
-              <a:t>Use cameras to capture the </a:t>
-            </a:r>
-            <a:r>
-              <a:rPr lang="en-US" dirty="0"/>
-              <a:t>image of </a:t>
-            </a:r>
-            <a:r>
-              <a:rPr lang="en-US" dirty="0" smtClean="0"/>
-              <a:t>user’s </a:t>
-            </a:r>
-            <a:r>
-              <a:rPr lang="en-US" dirty="0"/>
-              <a:t>face and then uses face detection algorithm to match </a:t>
-            </a:r>
-            <a:r>
-              <a:rPr lang="en-US" dirty="0" smtClean="0"/>
-              <a:t>faces stored in </a:t>
-            </a:r>
-            <a:r>
-              <a:rPr lang="en-US" dirty="0"/>
-              <a:t>the database</a:t>
-            </a:r>
-            <a:r>
-              <a:rPr lang="en-US" dirty="0" smtClean="0"/>
-              <a:t>.</a:t>
-            </a:r>
-          </a:p>
-          <a:p>
-            <a:r>
-              <a:rPr lang="nl-NL" dirty="0"/>
-              <a:t>Voice </a:t>
-            </a:r>
-            <a:r>
-              <a:rPr lang="nl-NL" dirty="0" err="1"/>
-              <a:t>r</a:t>
-            </a:r>
-            <a:r>
-              <a:rPr lang="nl-NL" dirty="0" err="1" smtClean="0"/>
-              <a:t>ecognition</a:t>
-            </a:r>
-            <a:r>
-              <a:rPr lang="nl-NL" dirty="0" smtClean="0"/>
-              <a:t> door access system</a:t>
-            </a:r>
-          </a:p>
-          <a:p>
-            <a:pPr lvl="1"/>
-            <a:r>
-              <a:rPr lang="en-US" dirty="0"/>
-              <a:t>Words are programmed and stored on the microprocessor of the voice recognition circuit </a:t>
-            </a:r>
+          <a:p>
             <a:endParaRPr lang="en-US" dirty="0"/>
           </a:p>
-          <a:p>
-            <a:pPr lvl="1"/>
-            <a:endParaRPr lang="en-US" dirty="0" smtClean="0"/>
-          </a:p>
-        </p:txBody>
-      </p:sp>
+        </p:txBody>
+      </p:sp>
+      <p:pic>
+        <p:nvPicPr>
+          <p:cNvPr id="5" name="Content Placeholder 4" descr="3"/>
+          <p:cNvPicPr>
+            <a:picLocks noGrp="1" noChangeAspect="1"/>
+          </p:cNvPicPr>
+          <p:nvPr>
+            <p:ph sz="quarter" idx="14"/>
+          </p:nvPr>
+        </p:nvPicPr>
+        <p:blipFill>
+          <a:blip r:embed="rId2">
+            <a:extLst>
+              <a:ext uri="{28A0092B-C50C-407E-A947-70E740481C1C}">
+                <a14:useLocalDpi xmlns:a14="http://schemas.microsoft.com/office/drawing/2010/main" val="0"/>
+              </a:ext>
+            </a:extLst>
+          </a:blip>
+          <a:srcRect l="5614" r="5614"/>
+          <a:stretch>
+            <a:fillRect/>
+          </a:stretch>
+        </p:blipFill>
+        <p:spPr>
+          <a:prstGeom prst="rect">
+            <a:avLst/>
+          </a:prstGeom>
+        </p:spPr>
+      </p:pic>
     </p:spTree>
     <p:extLst>
       <p:ext uri="{BB962C8B-B14F-4D97-AF65-F5344CB8AC3E}">
-        <p14:creationId xmlns:p14="http://schemas.microsoft.com/office/powerpoint/2010/main" val="3750533030"/>
+        <p14:creationId xmlns:p14="http://schemas.microsoft.com/office/powerpoint/2010/main" val="2473954509"/>
       </p:ext>
     </p:extLst>
   </p:cSld>

--- a/Presentation1.pptx
+++ b/Presentation1.pptx
@@ -5,19 +5,20 @@
     <p:sldMasterId id="2147483660" r:id="rId1"/>
   </p:sldMasterIdLst>
   <p:notesMasterIdLst>
-    <p:notesMasterId r:id="rId12"/>
+    <p:notesMasterId r:id="rId13"/>
   </p:notesMasterIdLst>
   <p:sldIdLst>
     <p:sldId id="256" r:id="rId2"/>
     <p:sldId id="262" r:id="rId3"/>
     <p:sldId id="259" r:id="rId4"/>
     <p:sldId id="260" r:id="rId5"/>
-    <p:sldId id="268" r:id="rId6"/>
-    <p:sldId id="261" r:id="rId7"/>
-    <p:sldId id="265" r:id="rId8"/>
-    <p:sldId id="263" r:id="rId9"/>
-    <p:sldId id="269" r:id="rId10"/>
-    <p:sldId id="266" r:id="rId11"/>
+    <p:sldId id="261" r:id="rId6"/>
+    <p:sldId id="265" r:id="rId7"/>
+    <p:sldId id="263" r:id="rId8"/>
+    <p:sldId id="264" r:id="rId9"/>
+    <p:sldId id="266" r:id="rId10"/>
+    <p:sldId id="267" r:id="rId11"/>
+    <p:sldId id="268" r:id="rId12"/>
   </p:sldIdLst>
   <p:sldSz cx="9144000" cy="6858000" type="screen4x3"/>
   <p:notesSz cx="6858000" cy="9144000"/>
@@ -201,7 +202,7 @@
           <a:p>
             <a:fld id="{D0228739-3B75-A049-A45D-7DC826D591CB}" type="datetimeFigureOut">
               <a:rPr lang="en-US" smtClean="0"/>
-              <a:t>5/8/12</a:t>
+              <a:t>5/15/12</a:t>
             </a:fld>
             <a:endParaRPr lang="en-US"/>
           </a:p>
@@ -467,6 +468,174 @@
     </a:lvl9pPr>
   </p:notesStyle>
 </p:notesMaster>
+</file>
+
+<file path=ppt/notesSlides/notesSlide1.xml><?xml version="1.0" encoding="utf-8"?>
+<p:notes xmlns:a="http://schemas.openxmlformats.org/drawingml/2006/main" xmlns:r="http://schemas.openxmlformats.org/officeDocument/2006/relationships" xmlns:p="http://schemas.openxmlformats.org/presentationml/2006/main">
+  <p:cSld>
+    <p:spTree>
+      <p:nvGrpSpPr>
+        <p:cNvPr id="1" name=""/>
+        <p:cNvGrpSpPr/>
+        <p:nvPr/>
+      </p:nvGrpSpPr>
+      <p:grpSpPr>
+        <a:xfrm>
+          <a:off x="0" y="0"/>
+          <a:ext cx="0" cy="0"/>
+          <a:chOff x="0" y="0"/>
+          <a:chExt cx="0" cy="0"/>
+        </a:xfrm>
+      </p:grpSpPr>
+      <p:sp>
+        <p:nvSpPr>
+          <p:cNvPr id="2" name="Slide Image Placeholder 1"/>
+          <p:cNvSpPr>
+            <a:spLocks noGrp="1" noRot="1" noChangeAspect="1"/>
+          </p:cNvSpPr>
+          <p:nvPr>
+            <p:ph type="sldImg"/>
+          </p:nvPr>
+        </p:nvSpPr>
+        <p:spPr/>
+      </p:sp>
+      <p:sp>
+        <p:nvSpPr>
+          <p:cNvPr id="3" name="Notes Placeholder 2"/>
+          <p:cNvSpPr>
+            <a:spLocks noGrp="1"/>
+          </p:cNvSpPr>
+          <p:nvPr>
+            <p:ph type="body" idx="1"/>
+          </p:nvPr>
+        </p:nvSpPr>
+        <p:spPr/>
+        <p:txBody>
+          <a:bodyPr/>
+          <a:lstStyle/>
+          <a:p>
+            <a:endParaRPr lang="en-US" dirty="0"/>
+          </a:p>
+        </p:txBody>
+      </p:sp>
+      <p:sp>
+        <p:nvSpPr>
+          <p:cNvPr id="4" name="Slide Number Placeholder 3"/>
+          <p:cNvSpPr>
+            <a:spLocks noGrp="1"/>
+          </p:cNvSpPr>
+          <p:nvPr>
+            <p:ph type="sldNum" sz="quarter" idx="10"/>
+          </p:nvPr>
+        </p:nvSpPr>
+        <p:spPr/>
+        <p:txBody>
+          <a:bodyPr/>
+          <a:lstStyle/>
+          <a:p>
+            <a:fld id="{0818008B-C054-9B4F-A840-697F2725B5E7}" type="slidenum">
+              <a:rPr lang="en-US" smtClean="0"/>
+              <a:t>7</a:t>
+            </a:fld>
+            <a:endParaRPr lang="en-US"/>
+          </a:p>
+        </p:txBody>
+      </p:sp>
+    </p:spTree>
+    <p:extLst>
+      <p:ext uri="{BB962C8B-B14F-4D97-AF65-F5344CB8AC3E}">
+        <p14:creationId xmlns:p14="http://schemas.microsoft.com/office/powerpoint/2010/main" val="2552562569"/>
+      </p:ext>
+    </p:extLst>
+  </p:cSld>
+  <p:clrMapOvr>
+    <a:masterClrMapping/>
+  </p:clrMapOvr>
+</p:notes>
+</file>
+
+<file path=ppt/notesSlides/notesSlide2.xml><?xml version="1.0" encoding="utf-8"?>
+<p:notes xmlns:a="http://schemas.openxmlformats.org/drawingml/2006/main" xmlns:r="http://schemas.openxmlformats.org/officeDocument/2006/relationships" xmlns:p="http://schemas.openxmlformats.org/presentationml/2006/main">
+  <p:cSld>
+    <p:spTree>
+      <p:nvGrpSpPr>
+        <p:cNvPr id="1" name=""/>
+        <p:cNvGrpSpPr/>
+        <p:nvPr/>
+      </p:nvGrpSpPr>
+      <p:grpSpPr>
+        <a:xfrm>
+          <a:off x="0" y="0"/>
+          <a:ext cx="0" cy="0"/>
+          <a:chOff x="0" y="0"/>
+          <a:chExt cx="0" cy="0"/>
+        </a:xfrm>
+      </p:grpSpPr>
+      <p:sp>
+        <p:nvSpPr>
+          <p:cNvPr id="2" name="Slide Image Placeholder 1"/>
+          <p:cNvSpPr>
+            <a:spLocks noGrp="1" noRot="1" noChangeAspect="1"/>
+          </p:cNvSpPr>
+          <p:nvPr>
+            <p:ph type="sldImg"/>
+          </p:nvPr>
+        </p:nvSpPr>
+        <p:spPr/>
+      </p:sp>
+      <p:sp>
+        <p:nvSpPr>
+          <p:cNvPr id="3" name="Notes Placeholder 2"/>
+          <p:cNvSpPr>
+            <a:spLocks noGrp="1"/>
+          </p:cNvSpPr>
+          <p:nvPr>
+            <p:ph type="body" idx="1"/>
+          </p:nvPr>
+        </p:nvSpPr>
+        <p:spPr/>
+        <p:txBody>
+          <a:bodyPr/>
+          <a:lstStyle/>
+          <a:p>
+            <a:endParaRPr lang="en-US" dirty="0"/>
+          </a:p>
+        </p:txBody>
+      </p:sp>
+      <p:sp>
+        <p:nvSpPr>
+          <p:cNvPr id="4" name="Slide Number Placeholder 3"/>
+          <p:cNvSpPr>
+            <a:spLocks noGrp="1"/>
+          </p:cNvSpPr>
+          <p:nvPr>
+            <p:ph type="sldNum" sz="quarter" idx="10"/>
+          </p:nvPr>
+        </p:nvSpPr>
+        <p:spPr/>
+        <p:txBody>
+          <a:bodyPr/>
+          <a:lstStyle/>
+          <a:p>
+            <a:fld id="{0818008B-C054-9B4F-A840-697F2725B5E7}" type="slidenum">
+              <a:rPr lang="en-US" smtClean="0"/>
+              <a:t>8</a:t>
+            </a:fld>
+            <a:endParaRPr lang="en-US"/>
+          </a:p>
+        </p:txBody>
+      </p:sp>
+    </p:spTree>
+    <p:extLst>
+      <p:ext uri="{BB962C8B-B14F-4D97-AF65-F5344CB8AC3E}">
+        <p14:creationId xmlns:p14="http://schemas.microsoft.com/office/powerpoint/2010/main" val="3791694194"/>
+      </p:ext>
+    </p:extLst>
+  </p:cSld>
+  <p:clrMapOvr>
+    <a:masterClrMapping/>
+  </p:clrMapOvr>
+</p:notes>
 </file>
 
 <file path=ppt/slideLayouts/slideLayout1.xml><?xml version="1.0" encoding="utf-8"?>
@@ -1096,7 +1265,7 @@
           <a:p>
             <a:fld id="{F7A695CE-02D5-7A40-B9D2-C2148EAD7373}" type="datetimeFigureOut">
               <a:rPr lang="en-US" smtClean="0"/>
-              <a:t>5/8/12</a:t>
+              <a:t>5/15/12</a:t>
             </a:fld>
             <a:endParaRPr lang="en-US"/>
           </a:p>
@@ -1275,7 +1444,7 @@
           <a:p>
             <a:fld id="{F7A695CE-02D5-7A40-B9D2-C2148EAD7373}" type="datetimeFigureOut">
               <a:rPr lang="en-US" smtClean="0"/>
-              <a:t>5/8/12</a:t>
+              <a:t>5/15/12</a:t>
             </a:fld>
             <a:endParaRPr lang="en-US"/>
           </a:p>
@@ -1454,7 +1623,7 @@
           <a:p>
             <a:fld id="{F7A695CE-02D5-7A40-B9D2-C2148EAD7373}" type="datetimeFigureOut">
               <a:rPr lang="en-US" smtClean="0"/>
-              <a:t>5/8/12</a:t>
+              <a:t>5/15/12</a:t>
             </a:fld>
             <a:endParaRPr lang="en-US"/>
           </a:p>
@@ -1619,7 +1788,7 @@
           <a:p>
             <a:fld id="{F7A695CE-02D5-7A40-B9D2-C2148EAD7373}" type="datetimeFigureOut">
               <a:rPr lang="en-US" smtClean="0"/>
-              <a:t>5/8/12</a:t>
+              <a:t>5/15/12</a:t>
             </a:fld>
             <a:endParaRPr lang="en-US"/>
           </a:p>
@@ -1858,7 +2027,7 @@
           <a:p>
             <a:fld id="{F7A695CE-02D5-7A40-B9D2-C2148EAD7373}" type="datetimeFigureOut">
               <a:rPr lang="en-US" smtClean="0"/>
-              <a:t>5/8/12</a:t>
+              <a:t>5/15/12</a:t>
             </a:fld>
             <a:endParaRPr lang="en-US"/>
           </a:p>
@@ -1971,7 +2140,7 @@
           <a:p>
             <a:fld id="{F7A695CE-02D5-7A40-B9D2-C2148EAD7373}" type="datetimeFigureOut">
               <a:rPr lang="en-US" smtClean="0"/>
-              <a:t>5/8/12</a:t>
+              <a:t>5/15/12</a:t>
             </a:fld>
             <a:endParaRPr lang="en-US"/>
           </a:p>
@@ -2344,7 +2513,7 @@
           <a:p>
             <a:fld id="{F7A695CE-02D5-7A40-B9D2-C2148EAD7373}" type="datetimeFigureOut">
               <a:rPr lang="en-US" smtClean="0"/>
-              <a:t>5/8/12</a:t>
+              <a:t>5/15/12</a:t>
             </a:fld>
             <a:endParaRPr lang="en-US"/>
           </a:p>
@@ -2571,7 +2740,7 @@
           <a:p>
             <a:fld id="{F7A695CE-02D5-7A40-B9D2-C2148EAD7373}" type="datetimeFigureOut">
               <a:rPr lang="en-US" smtClean="0"/>
-              <a:t>5/8/12</a:t>
+              <a:t>5/15/12</a:t>
             </a:fld>
             <a:endParaRPr lang="en-US"/>
           </a:p>
@@ -2661,7 +2830,7 @@
           <a:p>
             <a:fld id="{F7A695CE-02D5-7A40-B9D2-C2148EAD7373}" type="datetimeFigureOut">
               <a:rPr lang="en-US" smtClean="0"/>
-              <a:t>5/8/12</a:t>
+              <a:t>5/15/12</a:t>
             </a:fld>
             <a:endParaRPr lang="en-US"/>
           </a:p>
@@ -3488,7 +3657,7 @@
           <a:p>
             <a:fld id="{F7A695CE-02D5-7A40-B9D2-C2148EAD7373}" type="datetimeFigureOut">
               <a:rPr lang="en-US" smtClean="0"/>
-              <a:t>5/8/12</a:t>
+              <a:t>5/15/12</a:t>
             </a:fld>
             <a:endParaRPr lang="en-US"/>
           </a:p>
@@ -4319,7 +4488,7 @@
           <a:p>
             <a:fld id="{F7A695CE-02D5-7A40-B9D2-C2148EAD7373}" type="datetimeFigureOut">
               <a:rPr lang="en-US" smtClean="0"/>
-              <a:t>5/8/12</a:t>
+              <a:t>5/15/12</a:t>
             </a:fld>
             <a:endParaRPr lang="en-US"/>
           </a:p>
@@ -4973,7 +5142,7 @@
           <a:p>
             <a:fld id="{F7A695CE-02D5-7A40-B9D2-C2148EAD7373}" type="datetimeFigureOut">
               <a:rPr lang="en-US" smtClean="0"/>
-              <a:t>5/8/12</a:t>
+              <a:t>5/15/12</a:t>
             </a:fld>
             <a:endParaRPr lang="en-US"/>
           </a:p>
@@ -5443,48 +5612,22 @@
             <p:ph type="ctrTitle"/>
           </p:nvPr>
         </p:nvSpPr>
-        <p:spPr>
-          <a:xfrm>
-            <a:off x="1359893" y="1794935"/>
-            <a:ext cx="6530054" cy="1828090"/>
-          </a:xfrm>
-        </p:spPr>
-        <p:txBody>
-          <a:bodyPr>
-            <a:normAutofit fontScale="90000"/>
-          </a:bodyPr>
+        <p:spPr/>
+        <p:txBody>
+          <a:bodyPr/>
           <a:lstStyle/>
           <a:p>
             <a:r>
               <a:rPr lang="en-US" dirty="0" smtClean="0"/>
-              <a:t>WIP(Ter</a:t>
+              <a:t>WIP </a:t>
+            </a:r>
+            <a:r>
+              <a:rPr lang="en-US" dirty="0" err="1" smtClean="0"/>
+              <a:t>project:Open</a:t>
             </a:r>
             <a:r>
               <a:rPr lang="en-US" dirty="0" smtClean="0"/>
-              <a:t>m?</a:t>
-            </a:r>
-            <a:r>
-              <a:rPr lang="en-US" dirty="0" smtClean="0"/>
-              <a:t>) </a:t>
-            </a:r>
-            <a:r>
-              <a:rPr lang="en-US" dirty="0" smtClean="0"/>
-              <a:t>project</a:t>
-            </a:r>
-            <a:r>
-              <a:rPr lang="en-US" dirty="0" smtClean="0"/>
-              <a:t>:</a:t>
-            </a:r>
-            <a:br>
-              <a:rPr lang="en-US" dirty="0" smtClean="0"/>
-            </a:br>
-            <a:r>
-              <a:rPr lang="en-US" dirty="0" smtClean="0"/>
-              <a:t>Open </a:t>
-            </a:r>
-            <a:r>
-              <a:rPr lang="en-US" dirty="0" smtClean="0"/>
-              <a:t>door by smartphone</a:t>
+              <a:t> door by smartphone</a:t>
             </a:r>
             <a:endParaRPr lang="en-US" dirty="0"/>
           </a:p>
@@ -5573,7 +5716,7 @@
           <a:p>
             <a:r>
               <a:rPr lang="en-US" dirty="0" smtClean="0"/>
-              <a:t>Related research</a:t>
+              <a:t>Security Problem</a:t>
             </a:r>
             <a:endParaRPr lang="en-US" dirty="0"/>
           </a:p>
@@ -5596,76 +5739,156 @@
           <a:p>
             <a:r>
               <a:rPr lang="en-US" dirty="0" smtClean="0"/>
-              <a:t>Access door with face recognition</a:t>
+              <a:t>About share key</a:t>
             </a:r>
           </a:p>
           <a:p>
             <a:pPr lvl="1"/>
             <a:r>
               <a:rPr lang="en-US" dirty="0" smtClean="0"/>
-              <a:t>Use cameras to capture the </a:t>
-            </a:r>
-            <a:r>
-              <a:rPr lang="en-US" dirty="0"/>
-              <a:t>image of </a:t>
-            </a:r>
-            <a:r>
-              <a:rPr lang="en-US" dirty="0" smtClean="0"/>
-              <a:t>user’s </a:t>
-            </a:r>
-            <a:r>
-              <a:rPr lang="en-US" dirty="0"/>
-              <a:t>face and then uses face detection algorithm to match </a:t>
-            </a:r>
-            <a:r>
-              <a:rPr lang="en-US" dirty="0" smtClean="0"/>
-              <a:t>faces stored in </a:t>
-            </a:r>
-            <a:r>
-              <a:rPr lang="en-US" dirty="0"/>
-              <a:t>the database</a:t>
-            </a:r>
-            <a:r>
-              <a:rPr lang="en-US" dirty="0" smtClean="0"/>
-              <a:t>.</a:t>
-            </a:r>
-          </a:p>
-          <a:p>
-            <a:r>
-              <a:rPr lang="nl-NL" dirty="0"/>
-              <a:t>Voice </a:t>
-            </a:r>
-            <a:r>
-              <a:rPr lang="nl-NL" dirty="0" err="1"/>
-              <a:t>r</a:t>
-            </a:r>
-            <a:r>
-              <a:rPr lang="nl-NL" dirty="0" err="1" smtClean="0"/>
-              <a:t>ecognition</a:t>
-            </a:r>
-            <a:r>
-              <a:rPr lang="nl-NL" dirty="0" smtClean="0"/>
-              <a:t> door access system</a:t>
-            </a:r>
+              <a:t>When the host want to send key to the guest, the server will receive message from the host’s smartphone and send back to the host’s and the guest’s smartphone the key which encrypted.</a:t>
+            </a:r>
+            <a:endParaRPr lang="en-US" dirty="0"/>
           </a:p>
           <a:p>
             <a:pPr lvl="1"/>
-            <a:r>
-              <a:rPr lang="en-US" dirty="0"/>
-              <a:t>Words are programmed and stored on the microprocessor of the voice recognition circuit </a:t>
-            </a:r>
             <a:endParaRPr lang="en-US" dirty="0"/>
-          </a:p>
-          <a:p>
-            <a:pPr lvl="1"/>
-            <a:endParaRPr lang="en-US" dirty="0" smtClean="0"/>
           </a:p>
         </p:txBody>
       </p:sp>
     </p:spTree>
     <p:extLst>
       <p:ext uri="{BB962C8B-B14F-4D97-AF65-F5344CB8AC3E}">
-        <p14:creationId xmlns:p14="http://schemas.microsoft.com/office/powerpoint/2010/main" val="3750533030"/>
+        <p14:creationId xmlns:p14="http://schemas.microsoft.com/office/powerpoint/2010/main" val="2909479708"/>
+      </p:ext>
+    </p:extLst>
+  </p:cSld>
+  <p:clrMapOvr>
+    <a:masterClrMapping/>
+  </p:clrMapOvr>
+</p:sld>
+</file>
+
+<file path=ppt/slides/slide11.xml><?xml version="1.0" encoding="utf-8"?>
+<p:sld xmlns:a="http://schemas.openxmlformats.org/drawingml/2006/main" xmlns:r="http://schemas.openxmlformats.org/officeDocument/2006/relationships" xmlns:p="http://schemas.openxmlformats.org/presentationml/2006/main">
+  <p:cSld>
+    <p:spTree>
+      <p:nvGrpSpPr>
+        <p:cNvPr id="1" name=""/>
+        <p:cNvGrpSpPr/>
+        <p:nvPr/>
+      </p:nvGrpSpPr>
+      <p:grpSpPr>
+        <a:xfrm>
+          <a:off x="0" y="0"/>
+          <a:ext cx="0" cy="0"/>
+          <a:chOff x="0" y="0"/>
+          <a:chExt cx="0" cy="0"/>
+        </a:xfrm>
+      </p:grpSpPr>
+      <p:sp>
+        <p:nvSpPr>
+          <p:cNvPr id="2" name="Title 1"/>
+          <p:cNvSpPr>
+            <a:spLocks noGrp="1"/>
+          </p:cNvSpPr>
+          <p:nvPr>
+            <p:ph type="title"/>
+          </p:nvPr>
+        </p:nvSpPr>
+        <p:spPr/>
+        <p:txBody>
+          <a:bodyPr/>
+          <a:lstStyle/>
+          <a:p>
+            <a:r>
+              <a:rPr lang="en-US" dirty="0" smtClean="0"/>
+              <a:t>Security Problem</a:t>
+            </a:r>
+            <a:endParaRPr lang="en-US" dirty="0"/>
+          </a:p>
+        </p:txBody>
+      </p:sp>
+      <p:sp>
+        <p:nvSpPr>
+          <p:cNvPr id="3" name="Content Placeholder 2"/>
+          <p:cNvSpPr>
+            <a:spLocks noGrp="1"/>
+          </p:cNvSpPr>
+          <p:nvPr>
+            <p:ph idx="1"/>
+          </p:nvPr>
+        </p:nvSpPr>
+        <p:spPr/>
+        <p:txBody>
+          <a:bodyPr/>
+          <a:lstStyle/>
+          <a:p>
+            <a:r>
+              <a:rPr lang="en-US" dirty="0" smtClean="0"/>
+              <a:t>When user go to area which </a:t>
+            </a:r>
+            <a:r>
+              <a:rPr lang="en-US" dirty="0" err="1" smtClean="0"/>
+              <a:t>wifi</a:t>
+            </a:r>
+            <a:r>
+              <a:rPr lang="en-US" dirty="0" smtClean="0"/>
+              <a:t> signal strength of the host’s </a:t>
+            </a:r>
+            <a:r>
+              <a:rPr lang="en-US" dirty="0" err="1" smtClean="0"/>
+              <a:t>wifi</a:t>
+            </a:r>
+            <a:r>
+              <a:rPr lang="en-US" dirty="0" smtClean="0"/>
+              <a:t> spot is strong enough, the user’s  smartphone will send key to the server. </a:t>
+            </a:r>
+          </a:p>
+          <a:p>
+            <a:r>
+              <a:rPr lang="en-US" dirty="0" smtClean="0"/>
+              <a:t>Use number of </a:t>
+            </a:r>
+            <a:r>
+              <a:rPr lang="en-US" dirty="0" err="1" smtClean="0"/>
+              <a:t>wifi</a:t>
+            </a:r>
+            <a:r>
+              <a:rPr lang="en-US" dirty="0" smtClean="0"/>
+              <a:t> spot and base on strength of </a:t>
+            </a:r>
+            <a:r>
+              <a:rPr lang="en-US" dirty="0" err="1" smtClean="0"/>
+              <a:t>recived</a:t>
+            </a:r>
+            <a:r>
+              <a:rPr lang="en-US" dirty="0" smtClean="0"/>
+              <a:t> </a:t>
+            </a:r>
+            <a:r>
+              <a:rPr lang="en-US" dirty="0" err="1" smtClean="0"/>
+              <a:t>wifi</a:t>
+            </a:r>
+            <a:r>
+              <a:rPr lang="en-US" dirty="0" smtClean="0"/>
+              <a:t> signal to detect whether from user’s </a:t>
+            </a:r>
+            <a:r>
+              <a:rPr lang="en-US" smtClean="0"/>
+              <a:t>location user can </a:t>
+            </a:r>
+            <a:r>
+              <a:rPr lang="en-US" dirty="0" smtClean="0"/>
+              <a:t>control the door or not</a:t>
+            </a:r>
+          </a:p>
+        </p:txBody>
+      </p:sp>
+    </p:spTree>
+    <p:extLst>
+      <p:ext uri="{BB962C8B-B14F-4D97-AF65-F5344CB8AC3E}">
+        <p14:creationId xmlns:p14="http://schemas.microsoft.com/office/powerpoint/2010/main" val="3729858040"/>
       </p:ext>
     </p:extLst>
   </p:cSld>
@@ -5732,13 +5955,8 @@
           <a:p>
             <a:r>
               <a:rPr lang="en-US" dirty="0"/>
-              <a:t>Use smartphone to </a:t>
-            </a:r>
-            <a:r>
-              <a:rPr lang="en-US" dirty="0" smtClean="0"/>
-              <a:t>open/close the door and share permit to friends with limited time key  </a:t>
-            </a:r>
-            <a:endParaRPr lang="en-US" dirty="0"/>
+              <a:t>Use smartphone to open/close the door  </a:t>
+            </a:r>
           </a:p>
           <a:p>
             <a:endParaRPr lang="en-US" dirty="0"/>
@@ -5979,36 +6197,60 @@
               <a:rPr lang="en-US" dirty="0" smtClean="0"/>
               <a:t>With a traditional key </a:t>
             </a:r>
+          </a:p>
+          <a:p>
+            <a:pPr lvl="1"/>
+            <a:r>
+              <a:rPr lang="en-US" dirty="0" smtClean="0"/>
+              <a:t>when you lost the key, you need to buy new one.</a:t>
+            </a:r>
+          </a:p>
+          <a:p>
+            <a:pPr lvl="1"/>
+            <a:r>
+              <a:rPr lang="en-US" dirty="0" smtClean="0"/>
+              <a:t>When you permit someone to go into your house, you must give them your key </a:t>
+            </a:r>
+          </a:p>
+          <a:p>
+            <a:pPr lvl="1"/>
             <a:endParaRPr lang="en-US" dirty="0" smtClean="0"/>
           </a:p>
           <a:p>
-            <a:pPr lvl="1"/>
-            <a:r>
-              <a:rPr lang="en-US" dirty="0" smtClean="0"/>
-              <a:t>Take money to distribute key to all of family’s member</a:t>
-            </a:r>
-            <a:endParaRPr lang="en-US" dirty="0" smtClean="0"/>
-          </a:p>
-          <a:p>
-            <a:pPr lvl="1"/>
-            <a:r>
-              <a:rPr lang="en-US" dirty="0"/>
-              <a:t>W</a:t>
-            </a:r>
-            <a:r>
-              <a:rPr lang="en-US" dirty="0" smtClean="0"/>
-              <a:t>hen </a:t>
-            </a:r>
-            <a:r>
-              <a:rPr lang="en-US" dirty="0" smtClean="0"/>
-              <a:t>you lost the key, you need to buy new one.</a:t>
-            </a:r>
-          </a:p>
-          <a:p>
             <a:endParaRPr lang="en-US" dirty="0"/>
           </a:p>
         </p:txBody>
       </p:sp>
+      <p:pic>
+        <p:nvPicPr>
+          <p:cNvPr id="4" name="Picture 3" descr="2.jpg"/>
+          <p:cNvPicPr>
+            <a:picLocks noChangeAspect="1"/>
+          </p:cNvPicPr>
+          <p:nvPr/>
+        </p:nvPicPr>
+        <p:blipFill>
+          <a:blip r:embed="rId2">
+            <a:extLst>
+              <a:ext uri="{28A0092B-C50C-407E-A947-70E740481C1C}">
+                <a14:useLocalDpi xmlns:a14="http://schemas.microsoft.com/office/drawing/2010/main" val="0"/>
+              </a:ext>
+            </a:extLst>
+          </a:blip>
+          <a:stretch>
+            <a:fillRect/>
+          </a:stretch>
+        </p:blipFill>
+        <p:spPr>
+          <a:xfrm>
+            <a:off x="2770577" y="4130514"/>
+            <a:ext cx="2707980" cy="1805320"/>
+          </a:xfrm>
+          <a:prstGeom prst="rect">
+            <a:avLst/>
+          </a:prstGeom>
+        </p:spPr>
+      </p:pic>
     </p:spTree>
     <p:extLst>
       <p:ext uri="{BB962C8B-B14F-4D97-AF65-F5344CB8AC3E}">
@@ -6063,119 +6305,6 @@
           <a:p>
             <a:r>
               <a:rPr lang="en-US" dirty="0" smtClean="0"/>
-              <a:t>Problem (next)</a:t>
-            </a:r>
-            <a:endParaRPr lang="en-US" dirty="0"/>
-          </a:p>
-        </p:txBody>
-      </p:sp>
-      <p:sp>
-        <p:nvSpPr>
-          <p:cNvPr id="3" name="Content Placeholder 2"/>
-          <p:cNvSpPr>
-            <a:spLocks noGrp="1"/>
-          </p:cNvSpPr>
-          <p:nvPr>
-            <p:ph idx="1"/>
-          </p:nvPr>
-        </p:nvSpPr>
-        <p:spPr/>
-        <p:txBody>
-          <a:bodyPr/>
-          <a:lstStyle/>
-          <a:p>
-            <a:pPr lvl="1"/>
-            <a:r>
-              <a:rPr lang="en-US" dirty="0"/>
-              <a:t>When you permit someone to go into your house, you must give them your key </a:t>
-            </a:r>
-          </a:p>
-          <a:p>
-            <a:pPr lvl="1"/>
-            <a:endParaRPr lang="en-US" dirty="0"/>
-          </a:p>
-          <a:p>
-            <a:endParaRPr lang="en-US" dirty="0"/>
-          </a:p>
-        </p:txBody>
-      </p:sp>
-      <p:pic>
-        <p:nvPicPr>
-          <p:cNvPr id="5" name="Picture 4" descr="2.jpg"/>
-          <p:cNvPicPr>
-            <a:picLocks noChangeAspect="1"/>
-          </p:cNvPicPr>
-          <p:nvPr/>
-        </p:nvPicPr>
-        <p:blipFill>
-          <a:blip r:embed="rId2">
-            <a:extLst>
-              <a:ext uri="{28A0092B-C50C-407E-A947-70E740481C1C}">
-                <a14:useLocalDpi xmlns:a14="http://schemas.microsoft.com/office/drawing/2010/main" val="0"/>
-              </a:ext>
-            </a:extLst>
-          </a:blip>
-          <a:stretch>
-            <a:fillRect/>
-          </a:stretch>
-        </p:blipFill>
-        <p:spPr>
-          <a:xfrm>
-            <a:off x="2520549" y="3322370"/>
-            <a:ext cx="3920196" cy="2613464"/>
-          </a:xfrm>
-          <a:prstGeom prst="rect">
-            <a:avLst/>
-          </a:prstGeom>
-        </p:spPr>
-      </p:pic>
-    </p:spTree>
-    <p:extLst>
-      <p:ext uri="{BB962C8B-B14F-4D97-AF65-F5344CB8AC3E}">
-        <p14:creationId xmlns:p14="http://schemas.microsoft.com/office/powerpoint/2010/main" val="1089621920"/>
-      </p:ext>
-    </p:extLst>
-  </p:cSld>
-  <p:clrMapOvr>
-    <a:masterClrMapping/>
-  </p:clrMapOvr>
-</p:sld>
-</file>
-
-<file path=ppt/slides/slide6.xml><?xml version="1.0" encoding="utf-8"?>
-<p:sld xmlns:a="http://schemas.openxmlformats.org/drawingml/2006/main" xmlns:r="http://schemas.openxmlformats.org/officeDocument/2006/relationships" xmlns:p="http://schemas.openxmlformats.org/presentationml/2006/main">
-  <p:cSld>
-    <p:spTree>
-      <p:nvGrpSpPr>
-        <p:cNvPr id="1" name=""/>
-        <p:cNvGrpSpPr/>
-        <p:nvPr/>
-      </p:nvGrpSpPr>
-      <p:grpSpPr>
-        <a:xfrm>
-          <a:off x="0" y="0"/>
-          <a:ext cx="0" cy="0"/>
-          <a:chOff x="0" y="0"/>
-          <a:chExt cx="0" cy="0"/>
-        </a:xfrm>
-      </p:grpSpPr>
-      <p:sp>
-        <p:nvSpPr>
-          <p:cNvPr id="2" name="Title 1"/>
-          <p:cNvSpPr>
-            <a:spLocks noGrp="1"/>
-          </p:cNvSpPr>
-          <p:nvPr>
-            <p:ph type="title"/>
-          </p:nvPr>
-        </p:nvSpPr>
-        <p:spPr/>
-        <p:txBody>
-          <a:bodyPr/>
-          <a:lstStyle/>
-          <a:p>
-            <a:r>
-              <a:rPr lang="en-US" dirty="0" smtClean="0"/>
               <a:t>Approach</a:t>
             </a:r>
             <a:endParaRPr lang="en-US" dirty="0"/>
@@ -6236,14 +6365,8 @@
             </a:r>
             <a:r>
               <a:rPr lang="en-US" dirty="0" smtClean="0"/>
-              <a:t>ou can permit their smartphone to  entry to your home in fixed </a:t>
-            </a:r>
-            <a:r>
-              <a:rPr lang="en-US" dirty="0" smtClean="0"/>
-              <a:t>time</a:t>
-            </a:r>
-          </a:p>
-          <a:p>
+              <a:t>ou can permit their smartphone to  entry to your home in fixed time</a:t>
+            </a:r>
             <a:endParaRPr lang="en-US" dirty="0"/>
           </a:p>
         </p:txBody>
@@ -6268,7 +6391,7 @@
 </p:sld>
 </file>
 
-<file path=ppt/slides/slide7.xml><?xml version="1.0" encoding="utf-8"?>
+<file path=ppt/slides/slide6.xml><?xml version="1.0" encoding="utf-8"?>
 <p:sld xmlns:a="http://schemas.openxmlformats.org/drawingml/2006/main" xmlns:r="http://schemas.openxmlformats.org/officeDocument/2006/relationships" xmlns:p="http://schemas.openxmlformats.org/presentationml/2006/main">
   <p:cSld>
     <p:spTree>
@@ -6430,7 +6553,7 @@
 </p:sld>
 </file>
 
-<file path=ppt/slides/slide8.xml><?xml version="1.0" encoding="utf-8"?>
+<file path=ppt/slides/slide7.xml><?xml version="1.0" encoding="utf-8"?>
 <p:sld xmlns:a="http://schemas.openxmlformats.org/drawingml/2006/main" xmlns:r="http://schemas.openxmlformats.org/officeDocument/2006/relationships" xmlns:p="http://schemas.openxmlformats.org/presentationml/2006/main">
   <p:cSld>
     <p:spTree>
@@ -6737,6 +6860,127 @@
     <p:extLst>
       <p:ext uri="{BB962C8B-B14F-4D97-AF65-F5344CB8AC3E}">
         <p14:creationId xmlns:p14="http://schemas.microsoft.com/office/powerpoint/2010/main" val="2007551787"/>
+      </p:ext>
+    </p:extLst>
+  </p:cSld>
+  <p:clrMapOvr>
+    <a:masterClrMapping/>
+  </p:clrMapOvr>
+  <p:timing>
+    <p:tnLst>
+      <p:par>
+        <p:cTn xmlns:p14="http://schemas.microsoft.com/office/powerpoint/2010/main" id="1" dur="indefinite" restart="never" nodeType="tmRoot"/>
+      </p:par>
+    </p:tnLst>
+  </p:timing>
+</p:sld>
+</file>
+
+<file path=ppt/slides/slide8.xml><?xml version="1.0" encoding="utf-8"?>
+<p:sld xmlns:a="http://schemas.openxmlformats.org/drawingml/2006/main" xmlns:r="http://schemas.openxmlformats.org/officeDocument/2006/relationships" xmlns:p="http://schemas.openxmlformats.org/presentationml/2006/main">
+  <p:cSld>
+    <p:spTree>
+      <p:nvGrpSpPr>
+        <p:cNvPr id="1" name=""/>
+        <p:cNvGrpSpPr/>
+        <p:nvPr/>
+      </p:nvGrpSpPr>
+      <p:grpSpPr>
+        <a:xfrm>
+          <a:off x="0" y="0"/>
+          <a:ext cx="0" cy="0"/>
+          <a:chOff x="0" y="0"/>
+          <a:chExt cx="0" cy="0"/>
+        </a:xfrm>
+      </p:grpSpPr>
+      <p:sp>
+        <p:nvSpPr>
+          <p:cNvPr id="2" name="Title 1"/>
+          <p:cNvSpPr>
+            <a:spLocks noGrp="1"/>
+          </p:cNvSpPr>
+          <p:nvPr>
+            <p:ph type="title"/>
+          </p:nvPr>
+        </p:nvSpPr>
+        <p:spPr/>
+        <p:txBody>
+          <a:bodyPr/>
+          <a:lstStyle/>
+          <a:p>
+            <a:r>
+              <a:rPr lang="en-US" dirty="0" smtClean="0"/>
+              <a:t>Approach – Share key</a:t>
+            </a:r>
+            <a:endParaRPr lang="en-US" dirty="0"/>
+          </a:p>
+        </p:txBody>
+      </p:sp>
+      <p:sp>
+        <p:nvSpPr>
+          <p:cNvPr id="3" name="Content Placeholder 2"/>
+          <p:cNvSpPr>
+            <a:spLocks noGrp="1"/>
+          </p:cNvSpPr>
+          <p:nvPr>
+            <p:ph idx="1"/>
+          </p:nvPr>
+        </p:nvSpPr>
+        <p:spPr/>
+        <p:txBody>
+          <a:bodyPr/>
+          <a:lstStyle/>
+          <a:p>
+            <a:r>
+              <a:rPr lang="en-US" dirty="0" smtClean="0"/>
+              <a:t>Use limited time key</a:t>
+            </a:r>
+          </a:p>
+          <a:p>
+            <a:r>
+              <a:rPr lang="en-US" dirty="0" smtClean="0"/>
+              <a:t>The guest can only entry to your house in fixed time</a:t>
+            </a:r>
+          </a:p>
+          <a:p>
+            <a:endParaRPr lang="en-US" dirty="0"/>
+          </a:p>
+        </p:txBody>
+      </p:sp>
+      <p:pic>
+        <p:nvPicPr>
+          <p:cNvPr id="4" name="Picture 3" descr="3"/>
+          <p:cNvPicPr>
+            <a:picLocks noChangeAspect="1"/>
+          </p:cNvPicPr>
+          <p:nvPr/>
+        </p:nvPicPr>
+        <p:blipFill>
+          <a:blip r:embed="rId3">
+            <a:extLst>
+              <a:ext uri="{28A0092B-C50C-407E-A947-70E740481C1C}">
+                <a14:useLocalDpi xmlns:a14="http://schemas.microsoft.com/office/drawing/2010/main" val="0"/>
+              </a:ext>
+            </a:extLst>
+          </a:blip>
+          <a:stretch>
+            <a:fillRect/>
+          </a:stretch>
+        </p:blipFill>
+        <p:spPr>
+          <a:xfrm>
+            <a:off x="1770940" y="3540439"/>
+            <a:ext cx="2349390" cy="2349390"/>
+          </a:xfrm>
+          <a:prstGeom prst="rect">
+            <a:avLst/>
+          </a:prstGeom>
+        </p:spPr>
+      </p:pic>
+    </p:spTree>
+    <p:extLst>
+      <p:ext uri="{BB962C8B-B14F-4D97-AF65-F5344CB8AC3E}">
+        <p14:creationId xmlns:p14="http://schemas.microsoft.com/office/powerpoint/2010/main" val="238388354"/>
       </p:ext>
     </p:extLst>
   </p:cSld>
@@ -6786,102 +7030,89 @@
           <a:lstStyle/>
           <a:p>
             <a:r>
+              <a:rPr lang="en-US" dirty="0" smtClean="0"/>
+              <a:t>Related research</a:t>
+            </a:r>
+            <a:endParaRPr lang="en-US" dirty="0"/>
+          </a:p>
+        </p:txBody>
+      </p:sp>
+      <p:sp>
+        <p:nvSpPr>
+          <p:cNvPr id="3" name="Content Placeholder 2"/>
+          <p:cNvSpPr>
+            <a:spLocks noGrp="1"/>
+          </p:cNvSpPr>
+          <p:nvPr>
+            <p:ph idx="1"/>
+          </p:nvPr>
+        </p:nvSpPr>
+        <p:spPr/>
+        <p:txBody>
+          <a:bodyPr/>
+          <a:lstStyle/>
+          <a:p>
+            <a:r>
+              <a:rPr lang="en-US" dirty="0" smtClean="0"/>
+              <a:t>Access door with face recognition</a:t>
+            </a:r>
+          </a:p>
+          <a:p>
+            <a:pPr lvl="1"/>
+            <a:r>
+              <a:rPr lang="en-US" dirty="0" smtClean="0"/>
+              <a:t>Use cameras to capture the </a:t>
+            </a:r>
+            <a:r>
               <a:rPr lang="en-US" dirty="0"/>
-              <a:t>Approach – Share key</a:t>
-            </a:r>
-          </a:p>
-        </p:txBody>
-      </p:sp>
-      <p:sp>
-        <p:nvSpPr>
-          <p:cNvPr id="3" name="Content Placeholder 2"/>
-          <p:cNvSpPr>
-            <a:spLocks noGrp="1"/>
-          </p:cNvSpPr>
-          <p:nvPr>
-            <p:ph sz="quarter" idx="13"/>
-          </p:nvPr>
-        </p:nvSpPr>
-        <p:spPr/>
-        <p:txBody>
-          <a:bodyPr>
-            <a:normAutofit/>
-          </a:bodyPr>
-          <a:lstStyle/>
-          <a:p>
+              <a:t>image of </a:t>
+            </a:r>
+            <a:r>
+              <a:rPr lang="en-US" dirty="0" smtClean="0"/>
+              <a:t>user’s </a:t>
+            </a:r>
             <a:r>
               <a:rPr lang="en-US" dirty="0"/>
-              <a:t>The host can share key to a </a:t>
+              <a:t>face and then uses face detection algorithm to match </a:t>
             </a:r>
             <a:r>
               <a:rPr lang="en-US" dirty="0" smtClean="0"/>
-              <a:t>guest</a:t>
-            </a:r>
-          </a:p>
-          <a:p>
+              <a:t>faces stored in </a:t>
+            </a:r>
+            <a:r>
+              <a:rPr lang="en-US" dirty="0"/>
+              <a:t>the database</a:t>
+            </a:r>
             <a:r>
               <a:rPr lang="en-US" dirty="0" smtClean="0"/>
-              <a:t>Use </a:t>
-            </a:r>
-            <a:r>
-              <a:rPr lang="en-US" dirty="0"/>
-              <a:t>limited time key</a:t>
-            </a:r>
-          </a:p>
-          <a:p>
-            <a:r>
-              <a:rPr lang="en-US" dirty="0"/>
-              <a:t>The guest can only entry to your house in fixed </a:t>
-            </a:r>
-            <a:r>
-              <a:rPr lang="en-US" dirty="0" smtClean="0"/>
-              <a:t>time</a:t>
-            </a:r>
-          </a:p>
-          <a:p>
-            <a:pPr marL="0" indent="0">
-              <a:buNone/>
-            </a:pPr>
-            <a:endParaRPr lang="en-US" dirty="0"/>
-          </a:p>
-          <a:p>
-            <a:endParaRPr lang="en-US" dirty="0"/>
-          </a:p>
-        </p:txBody>
-      </p:sp>
-      <p:pic>
-        <p:nvPicPr>
-          <p:cNvPr id="5" name="Content Placeholder 4" descr="3"/>
-          <p:cNvPicPr>
-            <a:picLocks noGrp="1" noChangeAspect="1"/>
-          </p:cNvPicPr>
-          <p:nvPr>
-            <p:ph sz="quarter" idx="14"/>
-          </p:nvPr>
-        </p:nvPicPr>
-        <p:blipFill>
-          <a:blip r:embed="rId2">
-            <a:extLst>
-              <a:ext uri="{28A0092B-C50C-407E-A947-70E740481C1C}">
-                <a14:useLocalDpi xmlns:a14="http://schemas.microsoft.com/office/drawing/2010/main" val="0"/>
-              </a:ext>
-            </a:extLst>
-          </a:blip>
-          <a:srcRect l="5614" r="5614"/>
-          <a:stretch>
-            <a:fillRect/>
-          </a:stretch>
-        </p:blipFill>
-        <p:spPr>
-          <a:prstGeom prst="rect">
-            <a:avLst/>
-          </a:prstGeom>
-        </p:spPr>
-      </p:pic>
+              <a:t>.</a:t>
+            </a:r>
+          </a:p>
+          <a:p>
+            <a:r>
+              <a:rPr lang="nl-NL" dirty="0"/>
+              <a:t>Voice </a:t>
+            </a:r>
+            <a:r>
+              <a:rPr lang="nl-NL" dirty="0" err="1" smtClean="0"/>
+              <a:t>recognition</a:t>
+            </a:r>
+            <a:r>
+              <a:rPr lang="nl-NL" dirty="0" smtClean="0"/>
+              <a:t> door access </a:t>
+            </a:r>
+            <a:r>
+              <a:rPr lang="nl-NL" dirty="0" smtClean="0"/>
+              <a:t>system</a:t>
+            </a:r>
+            <a:endParaRPr lang="en-US" dirty="0" smtClean="0"/>
+          </a:p>
+        </p:txBody>
+      </p:sp>
     </p:spTree>
     <p:extLst>
       <p:ext uri="{BB962C8B-B14F-4D97-AF65-F5344CB8AC3E}">
-        <p14:creationId xmlns:p14="http://schemas.microsoft.com/office/powerpoint/2010/main" val="2473954509"/>
+        <p14:creationId xmlns:p14="http://schemas.microsoft.com/office/powerpoint/2010/main" val="3750533030"/>
       </p:ext>
     </p:extLst>
   </p:cSld>
